--- a/Apresentação_SeminarioII.pptx
+++ b/Apresentação_SeminarioII.pptx
@@ -5,7 +5,7 @@
     <p:sldMasterId id="2147483704" r:id="rId1"/>
   </p:sldMasterIdLst>
   <p:notesMasterIdLst>
-    <p:notesMasterId r:id="rId10"/>
+    <p:notesMasterId r:id="rId8"/>
   </p:notesMasterIdLst>
   <p:sldIdLst>
     <p:sldId id="256" r:id="rId2"/>
@@ -13,9 +13,7 @@
     <p:sldId id="322" r:id="rId4"/>
     <p:sldId id="325" r:id="rId5"/>
     <p:sldId id="323" r:id="rId6"/>
-    <p:sldId id="324" r:id="rId7"/>
-    <p:sldId id="321" r:id="rId8"/>
-    <p:sldId id="305" r:id="rId9"/>
+    <p:sldId id="321" r:id="rId7"/>
   </p:sldIdLst>
   <p:sldSz cx="12192000" cy="6858000"/>
   <p:notesSz cx="6858000" cy="9144000"/>
@@ -881,175 +879,7 @@
     </p:spTree>
     <p:extLst>
       <p:ext uri="{BB962C8B-B14F-4D97-AF65-F5344CB8AC3E}">
-        <p14:creationId xmlns:p14="http://schemas.microsoft.com/office/powerpoint/2010/main" val="3161502752"/>
-      </p:ext>
-    </p:extLst>
-  </p:cSld>
-  <p:clrMapOvr>
-    <a:masterClrMapping/>
-  </p:clrMapOvr>
-</p:notes>
-</file>
-
-<file path=ppt/notesSlides/notesSlide6.xml><?xml version="1.0" encoding="utf-8"?>
-<p:notes xmlns:a="http://schemas.openxmlformats.org/drawingml/2006/main" xmlns:r="http://schemas.openxmlformats.org/officeDocument/2006/relationships" xmlns:p="http://schemas.openxmlformats.org/presentationml/2006/main">
-  <p:cSld>
-    <p:spTree>
-      <p:nvGrpSpPr>
-        <p:cNvPr id="1" name=""/>
-        <p:cNvGrpSpPr/>
-        <p:nvPr/>
-      </p:nvGrpSpPr>
-      <p:grpSpPr>
-        <a:xfrm>
-          <a:off x="0" y="0"/>
-          <a:ext cx="0" cy="0"/>
-          <a:chOff x="0" y="0"/>
-          <a:chExt cx="0" cy="0"/>
-        </a:xfrm>
-      </p:grpSpPr>
-      <p:sp>
-        <p:nvSpPr>
-          <p:cNvPr id="2" name="Espaço Reservado para Imagem de Slide 1"/>
-          <p:cNvSpPr>
-            <a:spLocks noGrp="1" noRot="1" noChangeAspect="1"/>
-          </p:cNvSpPr>
-          <p:nvPr>
-            <p:ph type="sldImg"/>
-          </p:nvPr>
-        </p:nvSpPr>
-        <p:spPr/>
-      </p:sp>
-      <p:sp>
-        <p:nvSpPr>
-          <p:cNvPr id="3" name="Espaço Reservado para Anotações 2"/>
-          <p:cNvSpPr>
-            <a:spLocks noGrp="1"/>
-          </p:cNvSpPr>
-          <p:nvPr>
-            <p:ph type="body" idx="1"/>
-          </p:nvPr>
-        </p:nvSpPr>
-        <p:spPr/>
-        <p:txBody>
-          <a:bodyPr/>
-          <a:lstStyle/>
-          <a:p>
-            <a:endParaRPr lang="pt-BR"/>
-          </a:p>
-        </p:txBody>
-      </p:sp>
-      <p:sp>
-        <p:nvSpPr>
-          <p:cNvPr id="4" name="Espaço Reservado para Número de Slide 3"/>
-          <p:cNvSpPr>
-            <a:spLocks noGrp="1"/>
-          </p:cNvSpPr>
-          <p:nvPr>
-            <p:ph type="sldNum" sz="quarter" idx="10"/>
-          </p:nvPr>
-        </p:nvSpPr>
-        <p:spPr/>
-        <p:txBody>
-          <a:bodyPr/>
-          <a:lstStyle/>
-          <a:p>
-            <a:fld id="{CB318294-28A5-4B44-A596-9AB8182149B0}" type="slidenum">
-              <a:rPr lang="pt-BR" smtClean="0"/>
-              <a:t>7</a:t>
-            </a:fld>
-            <a:endParaRPr lang="pt-BR"/>
-          </a:p>
-        </p:txBody>
-      </p:sp>
-    </p:spTree>
-    <p:extLst>
-      <p:ext uri="{BB962C8B-B14F-4D97-AF65-F5344CB8AC3E}">
         <p14:creationId xmlns:p14="http://schemas.microsoft.com/office/powerpoint/2010/main" val="3397668830"/>
-      </p:ext>
-    </p:extLst>
-  </p:cSld>
-  <p:clrMapOvr>
-    <a:masterClrMapping/>
-  </p:clrMapOvr>
-</p:notes>
-</file>
-
-<file path=ppt/notesSlides/notesSlide7.xml><?xml version="1.0" encoding="utf-8"?>
-<p:notes xmlns:a="http://schemas.openxmlformats.org/drawingml/2006/main" xmlns:r="http://schemas.openxmlformats.org/officeDocument/2006/relationships" xmlns:p="http://schemas.openxmlformats.org/presentationml/2006/main">
-  <p:cSld>
-    <p:spTree>
-      <p:nvGrpSpPr>
-        <p:cNvPr id="1" name=""/>
-        <p:cNvGrpSpPr/>
-        <p:nvPr/>
-      </p:nvGrpSpPr>
-      <p:grpSpPr>
-        <a:xfrm>
-          <a:off x="0" y="0"/>
-          <a:ext cx="0" cy="0"/>
-          <a:chOff x="0" y="0"/>
-          <a:chExt cx="0" cy="0"/>
-        </a:xfrm>
-      </p:grpSpPr>
-      <p:sp>
-        <p:nvSpPr>
-          <p:cNvPr id="2" name="Espaço Reservado para Imagem de Slide 1"/>
-          <p:cNvSpPr>
-            <a:spLocks noGrp="1" noRot="1" noChangeAspect="1"/>
-          </p:cNvSpPr>
-          <p:nvPr>
-            <p:ph type="sldImg"/>
-          </p:nvPr>
-        </p:nvSpPr>
-        <p:spPr/>
-      </p:sp>
-      <p:sp>
-        <p:nvSpPr>
-          <p:cNvPr id="3" name="Espaço Reservado para Anotações 2"/>
-          <p:cNvSpPr>
-            <a:spLocks noGrp="1"/>
-          </p:cNvSpPr>
-          <p:nvPr>
-            <p:ph type="body" idx="1"/>
-          </p:nvPr>
-        </p:nvSpPr>
-        <p:spPr/>
-        <p:txBody>
-          <a:bodyPr/>
-          <a:lstStyle/>
-          <a:p>
-            <a:endParaRPr lang="pt-BR"/>
-          </a:p>
-        </p:txBody>
-      </p:sp>
-      <p:sp>
-        <p:nvSpPr>
-          <p:cNvPr id="4" name="Espaço Reservado para Número de Slide 3"/>
-          <p:cNvSpPr>
-            <a:spLocks noGrp="1"/>
-          </p:cNvSpPr>
-          <p:nvPr>
-            <p:ph type="sldNum" sz="quarter" idx="10"/>
-          </p:nvPr>
-        </p:nvSpPr>
-        <p:spPr/>
-        <p:txBody>
-          <a:bodyPr/>
-          <a:lstStyle/>
-          <a:p>
-            <a:fld id="{CB318294-28A5-4B44-A596-9AB8182149B0}" type="slidenum">
-              <a:rPr lang="pt-BR" smtClean="0"/>
-              <a:t>8</a:t>
-            </a:fld>
-            <a:endParaRPr lang="pt-BR"/>
-          </a:p>
-        </p:txBody>
-      </p:sp>
-    </p:spTree>
-    <p:extLst>
-      <p:ext uri="{BB962C8B-B14F-4D97-AF65-F5344CB8AC3E}">
-        <p14:creationId xmlns:p14="http://schemas.microsoft.com/office/powerpoint/2010/main" val="931395501"/>
       </p:ext>
     </p:extLst>
   </p:cSld>
@@ -5292,7 +5122,7 @@
                 </a:solidFill>
                 <a:latin typeface="Trebuchet MS" panose="020B0603020202020204" pitchFamily="34" charset="0"/>
               </a:rPr>
-              <a:t>Justificativa</a:t>
+              <a:t>Interface do Sistema</a:t>
             </a:r>
           </a:p>
         </p:txBody>
@@ -5364,7 +5194,7 @@
         <p:spPr>
           <a:xfrm>
             <a:off x="728870" y="3017960"/>
-            <a:ext cx="10261331" cy="2862322"/>
+            <a:ext cx="10261331" cy="1015663"/>
           </a:xfrm>
           <a:prstGeom prst="rect">
             <a:avLst/>
@@ -5391,49 +5221,17 @@
                   <a:srgbClr val="F15E41"/>
                 </a:solidFill>
               </a:rPr>
-              <a:t>apenas tópicos e/ou imagens </a:t>
-            </a:r>
-            <a:r>
-              <a:rPr lang="pt-BR" sz="3000" dirty="0"/>
-              <a:t>que façam você lembrar do porquê deste proposta de software. </a:t>
-            </a:r>
-          </a:p>
-          <a:p>
-            <a:pPr marL="285750" indent="-285750" algn="just">
-              <a:buFont typeface="Arial" panose="020B0604020202020204" pitchFamily="34" charset="0"/>
-              <a:buChar char="•"/>
-            </a:pPr>
-            <a:endParaRPr lang="pt-BR" sz="3000" dirty="0"/>
-          </a:p>
-          <a:p>
-            <a:pPr marL="285750" indent="-285750" algn="just">
-              <a:buFont typeface="Arial" panose="020B0604020202020204" pitchFamily="34" charset="0"/>
-              <a:buChar char="•"/>
-            </a:pPr>
-            <a:r>
-              <a:rPr lang="pt-BR" sz="3000" dirty="0">
+              <a:t>o link do projeto no </a:t>
+            </a:r>
+            <a:r>
+              <a:rPr lang="pt-BR" sz="3000" dirty="0" err="1">
                 <a:solidFill>
                   <a:srgbClr val="F15E41"/>
                 </a:solidFill>
               </a:rPr>
-              <a:t>Não copia </a:t>
-            </a:r>
-            <a:r>
-              <a:rPr lang="pt-BR" sz="3000" dirty="0"/>
-              <a:t>a justificativa </a:t>
-            </a:r>
-            <a:r>
-              <a:rPr lang="pt-BR" sz="3000" dirty="0">
-                <a:solidFill>
-                  <a:srgbClr val="F15E41"/>
-                </a:solidFill>
-              </a:rPr>
-              <a:t>tal qual </a:t>
-            </a:r>
-            <a:r>
-              <a:rPr lang="pt-BR" sz="3000" dirty="0"/>
-              <a:t>está na proposta de projeto.</a:t>
-            </a:r>
+              <a:t>Githhub</a:t>
+            </a:r>
+            <a:endParaRPr lang="pt-BR" sz="3000" dirty="0"/>
           </a:p>
           <a:p>
             <a:pPr algn="just"/>
@@ -5533,8 +5331,8 @@
         </p:nvSpPr>
         <p:spPr>
           <a:xfrm>
-            <a:off x="0" y="1"/>
-            <a:ext cx="12192000" cy="2116182"/>
+            <a:off x="0" y="0"/>
+            <a:ext cx="12192000" cy="6923314"/>
           </a:xfrm>
           <a:prstGeom prst="rect">
             <a:avLst/>
@@ -5575,341 +5373,6 @@
           </a:p>
         </p:txBody>
       </p:sp>
-      <p:pic>
-        <p:nvPicPr>
-          <p:cNvPr id="16" name="Imagem 15"/>
-          <p:cNvPicPr>
-            <a:picLocks noChangeAspect="1"/>
-          </p:cNvPicPr>
-          <p:nvPr/>
-        </p:nvPicPr>
-        <p:blipFill>
-          <a:blip r:embed="rId4">
-            <a:extLst>
-              <a:ext uri="{28A0092B-C50C-407E-A947-70E740481C1C}">
-                <a14:useLocalDpi xmlns:a14="http://schemas.microsoft.com/office/drawing/2010/main" val="0"/>
-              </a:ext>
-            </a:extLst>
-          </a:blip>
-          <a:stretch>
-            <a:fillRect/>
-          </a:stretch>
-        </p:blipFill>
-        <p:spPr>
-          <a:xfrm>
-            <a:off x="10990201" y="5503818"/>
-            <a:ext cx="732032" cy="1362888"/>
-          </a:xfrm>
-          <a:prstGeom prst="rect">
-            <a:avLst/>
-          </a:prstGeom>
-        </p:spPr>
-      </p:pic>
-      <p:sp>
-        <p:nvSpPr>
-          <p:cNvPr id="9" name="Retângulo 8"/>
-          <p:cNvSpPr/>
-          <p:nvPr/>
-        </p:nvSpPr>
-        <p:spPr>
-          <a:xfrm>
-            <a:off x="539933" y="396372"/>
-            <a:ext cx="7513524" cy="1415772"/>
-          </a:xfrm>
-          <a:prstGeom prst="rect">
-            <a:avLst/>
-          </a:prstGeom>
-        </p:spPr>
-        <p:txBody>
-          <a:bodyPr wrap="square">
-            <a:spAutoFit/>
-          </a:bodyPr>
-          <a:lstStyle/>
-          <a:p>
-            <a:br>
-              <a:rPr lang="pt-BR" altLang="pt-BR" dirty="0">
-                <a:solidFill>
-                  <a:schemeClr val="bg1"/>
-                </a:solidFill>
-                <a:latin typeface="Trebuchet MS" panose="020B0603020202020204" pitchFamily="34" charset="0"/>
-              </a:rPr>
-            </a:br>
-            <a:r>
-              <a:rPr lang="pt-BR" altLang="pt-BR" sz="4400" b="1" dirty="0">
-                <a:solidFill>
-                  <a:schemeClr val="bg1"/>
-                </a:solidFill>
-                <a:latin typeface="Trebuchet MS" panose="020B0603020202020204" pitchFamily="34" charset="0"/>
-              </a:rPr>
-              <a:t>Modelagem do Software</a:t>
-            </a:r>
-          </a:p>
-          <a:p>
-            <a:r>
-              <a:rPr lang="pt-BR" altLang="pt-BR" sz="2400" b="1" dirty="0">
-                <a:solidFill>
-                  <a:schemeClr val="bg1"/>
-                </a:solidFill>
-                <a:latin typeface="Trebuchet MS" panose="020B0603020202020204" pitchFamily="34" charset="0"/>
-              </a:rPr>
-              <a:t>Diagramas de Casos de Uso</a:t>
-            </a:r>
-          </a:p>
-        </p:txBody>
-      </p:sp>
-      <p:sp>
-        <p:nvSpPr>
-          <p:cNvPr id="10" name="Espaço Reservado para Rodapé 3"/>
-          <p:cNvSpPr>
-            <a:spLocks noGrp="1"/>
-          </p:cNvSpPr>
-          <p:nvPr>
-            <p:ph type="ftr" sz="quarter" idx="11"/>
-          </p:nvPr>
-        </p:nvSpPr>
-        <p:spPr>
-          <a:xfrm>
-            <a:off x="4038600" y="6346734"/>
-            <a:ext cx="4114800" cy="365125"/>
-          </a:xfrm>
-        </p:spPr>
-        <p:txBody>
-          <a:bodyPr/>
-          <a:lstStyle/>
-          <a:p>
-            <a:r>
-              <a:rPr lang="pt-BR" dirty="0">
-                <a:solidFill>
-                  <a:srgbClr val="8DC641"/>
-                </a:solidFill>
-              </a:rPr>
-              <a:t>Instituto Federal Sul-rio-grandense | </a:t>
-            </a:r>
-            <a:r>
-              <a:rPr lang="pt-BR" dirty="0" err="1">
-                <a:solidFill>
-                  <a:srgbClr val="8DC641"/>
-                </a:solidFill>
-              </a:rPr>
-              <a:t>câmpus</a:t>
-            </a:r>
-            <a:r>
-              <a:rPr lang="pt-BR" dirty="0">
-                <a:solidFill>
-                  <a:srgbClr val="8DC641"/>
-                </a:solidFill>
-              </a:rPr>
-              <a:t> Bagé</a:t>
-            </a:r>
-            <a:endParaRPr lang="en-US" dirty="0">
-              <a:solidFill>
-                <a:srgbClr val="8DC641"/>
-              </a:solidFill>
-            </a:endParaRPr>
-          </a:p>
-        </p:txBody>
-      </p:sp>
-      <p:sp>
-        <p:nvSpPr>
-          <p:cNvPr id="2" name="CaixaDeTexto 1">
-            <a:extLst>
-              <a:ext uri="{FF2B5EF4-FFF2-40B4-BE49-F238E27FC236}">
-                <a16:creationId xmlns:a16="http://schemas.microsoft.com/office/drawing/2014/main" id="{FE95A4F0-5CD1-4028-9F3D-6A265DBAFEAC}"/>
-              </a:ext>
-            </a:extLst>
-          </p:cNvPr>
-          <p:cNvSpPr txBox="1"/>
-          <p:nvPr/>
-        </p:nvSpPr>
-        <p:spPr>
-          <a:xfrm>
-            <a:off x="3684104" y="3048000"/>
-            <a:ext cx="4469296" cy="830997"/>
-          </a:xfrm>
-          <a:prstGeom prst="rect">
-            <a:avLst/>
-          </a:prstGeom>
-          <a:noFill/>
-        </p:spPr>
-        <p:txBody>
-          <a:bodyPr wrap="square" rtlCol="0">
-            <a:spAutoFit/>
-          </a:bodyPr>
-          <a:lstStyle/>
-          <a:p>
-            <a:pPr algn="ctr"/>
-            <a:r>
-              <a:rPr lang="pt-BR" sz="2400" dirty="0">
-                <a:solidFill>
-                  <a:srgbClr val="FF0000"/>
-                </a:solidFill>
-              </a:rPr>
-              <a:t>Inclui aqui os prints dos</a:t>
-            </a:r>
-          </a:p>
-          <a:p>
-            <a:pPr algn="ctr"/>
-            <a:r>
-              <a:rPr lang="pt-BR" sz="2400" dirty="0">
-                <a:solidFill>
-                  <a:srgbClr val="FF0000"/>
-                </a:solidFill>
-              </a:rPr>
-              <a:t>Casos de Usos feitos no </a:t>
-            </a:r>
-            <a:r>
-              <a:rPr lang="pt-BR" sz="2400" dirty="0" err="1">
-                <a:solidFill>
-                  <a:srgbClr val="FF0000"/>
-                </a:solidFill>
-              </a:rPr>
-              <a:t>Astah</a:t>
-            </a:r>
-            <a:r>
-              <a:rPr lang="pt-BR" sz="2400" dirty="0">
-                <a:solidFill>
-                  <a:srgbClr val="FF0000"/>
-                </a:solidFill>
-              </a:rPr>
-              <a:t> </a:t>
-            </a:r>
-          </a:p>
-        </p:txBody>
-      </p:sp>
-    </p:spTree>
-    <p:extLst>
-      <p:ext uri="{BB962C8B-B14F-4D97-AF65-F5344CB8AC3E}">
-        <p14:creationId xmlns:p14="http://schemas.microsoft.com/office/powerpoint/2010/main" val="792995163"/>
-      </p:ext>
-    </p:extLst>
-  </p:cSld>
-  <p:clrMapOvr>
-    <a:masterClrMapping/>
-  </p:clrMapOvr>
-</p:sld>
-</file>
-
-<file path=ppt/slides/slide7.xml><?xml version="1.0" encoding="utf-8"?>
-<p:sld xmlns:a="http://schemas.openxmlformats.org/drawingml/2006/main" xmlns:r="http://schemas.openxmlformats.org/officeDocument/2006/relationships" xmlns:p="http://schemas.openxmlformats.org/presentationml/2006/main">
-  <p:cSld>
-    <p:spTree>
-      <p:nvGrpSpPr>
-        <p:cNvPr id="1" name=""/>
-        <p:cNvGrpSpPr/>
-        <p:nvPr/>
-      </p:nvGrpSpPr>
-      <p:grpSpPr>
-        <a:xfrm>
-          <a:off x="0" y="0"/>
-          <a:ext cx="0" cy="0"/>
-          <a:chOff x="0" y="0"/>
-          <a:chExt cx="0" cy="0"/>
-        </a:xfrm>
-      </p:grpSpPr>
-      <p:sp>
-        <p:nvSpPr>
-          <p:cNvPr id="5" name="Espaço Reservado para Número de Slide 4"/>
-          <p:cNvSpPr>
-            <a:spLocks noGrp="1"/>
-          </p:cNvSpPr>
-          <p:nvPr>
-            <p:ph type="sldNum" sz="quarter" idx="12"/>
-          </p:nvPr>
-        </p:nvSpPr>
-        <p:spPr/>
-        <p:txBody>
-          <a:bodyPr/>
-          <a:lstStyle/>
-          <a:p>
-            <a:fld id="{D57F1E4F-1CFF-5643-939E-217C01CDF565}" type="slidenum">
-              <a:rPr lang="en-US" smtClean="0"/>
-              <a:pPr/>
-              <a:t>7</a:t>
-            </a:fld>
-            <a:endParaRPr lang="en-US" dirty="0"/>
-          </a:p>
-        </p:txBody>
-      </p:sp>
-      <p:pic>
-        <p:nvPicPr>
-          <p:cNvPr id="12" name="Imagem 11"/>
-          <p:cNvPicPr>
-            <a:picLocks noChangeAspect="1"/>
-          </p:cNvPicPr>
-          <p:nvPr/>
-        </p:nvPicPr>
-        <p:blipFill>
-          <a:blip r:embed="rId3">
-            <a:extLst>
-              <a:ext uri="{28A0092B-C50C-407E-A947-70E740481C1C}">
-                <a14:useLocalDpi xmlns:a14="http://schemas.microsoft.com/office/drawing/2010/main" val="0"/>
-              </a:ext>
-            </a:extLst>
-          </a:blip>
-          <a:stretch>
-            <a:fillRect/>
-          </a:stretch>
-        </p:blipFill>
-        <p:spPr>
-          <a:xfrm rot="20524516">
-            <a:off x="-50151" y="-363538"/>
-            <a:ext cx="2787461" cy="3758848"/>
-          </a:xfrm>
-          <a:prstGeom prst="rect">
-            <a:avLst/>
-          </a:prstGeom>
-        </p:spPr>
-      </p:pic>
-      <p:sp>
-        <p:nvSpPr>
-          <p:cNvPr id="15" name="Retângulo 14"/>
-          <p:cNvSpPr/>
-          <p:nvPr/>
-        </p:nvSpPr>
-        <p:spPr>
-          <a:xfrm>
-            <a:off x="0" y="0"/>
-            <a:ext cx="12192000" cy="6923314"/>
-          </a:xfrm>
-          <a:prstGeom prst="rect">
-            <a:avLst/>
-          </a:prstGeom>
-          <a:solidFill>
-            <a:srgbClr val="347C36"/>
-          </a:solidFill>
-          <a:ln>
-            <a:noFill/>
-          </a:ln>
-        </p:spPr>
-        <p:style>
-          <a:lnRef idx="2">
-            <a:schemeClr val="accent2">
-              <a:shade val="50000"/>
-            </a:schemeClr>
-          </a:lnRef>
-          <a:fillRef idx="1">
-            <a:schemeClr val="accent2"/>
-          </a:fillRef>
-          <a:effectRef idx="0">
-            <a:schemeClr val="accent2"/>
-          </a:effectRef>
-          <a:fontRef idx="minor">
-            <a:schemeClr val="lt1"/>
-          </a:fontRef>
-        </p:style>
-        <p:txBody>
-          <a:bodyPr rtlCol="0" anchor="ctr"/>
-          <a:lstStyle/>
-          <a:p>
-            <a:pPr algn="ctr"/>
-            <a:endParaRPr lang="pt-BR">
-              <a:solidFill>
-                <a:srgbClr val="347C36"/>
-              </a:solidFill>
-            </a:endParaRPr>
-          </a:p>
-        </p:txBody>
-      </p:sp>
       <p:sp>
         <p:nvSpPr>
           <p:cNvPr id="8" name="Retângulo 7"/>
@@ -5944,7 +5407,7 @@
                 </a:solidFill>
                 <a:latin typeface="Trebuchet MS" panose="020B0603020202020204" pitchFamily="34" charset="0"/>
               </a:rPr>
-              <a:t>PROTOTIPAGEM</a:t>
+              <a:t>OBRIGAD@</a:t>
             </a:r>
           </a:p>
         </p:txBody>
@@ -6016,7 +5479,7 @@
         <p:spPr>
           <a:xfrm>
             <a:off x="4426226" y="4320209"/>
-            <a:ext cx="3591339" cy="646331"/>
+            <a:ext cx="3591339" cy="1077218"/>
           </a:xfrm>
           <a:prstGeom prst="rect">
             <a:avLst/>
@@ -6031,26 +5494,24 @@
           <a:p>
             <a:pPr algn="ctr"/>
             <a:r>
-              <a:rPr lang="pt-BR" dirty="0">
+              <a:rPr lang="pt-BR" sz="3200" dirty="0">
                 <a:solidFill>
                   <a:srgbClr val="FF0000"/>
                 </a:solidFill>
               </a:rPr>
-              <a:t>Insere aqui o link para o projeto feito no Quant-</a:t>
-            </a:r>
-            <a:r>
-              <a:rPr lang="pt-BR" dirty="0" err="1">
+              <a:t>Perguntas</a:t>
+            </a:r>
+          </a:p>
+          <a:p>
+            <a:pPr algn="ctr"/>
+            <a:r>
+              <a:rPr lang="pt-BR" sz="3200" dirty="0">
                 <a:solidFill>
                   <a:srgbClr val="FF0000"/>
                 </a:solidFill>
               </a:rPr>
-              <a:t>ux</a:t>
-            </a:r>
-            <a:endParaRPr lang="pt-BR" dirty="0">
-              <a:solidFill>
-                <a:srgbClr val="FF0000"/>
-              </a:solidFill>
-            </a:endParaRPr>
+              <a:t>?</a:t>
+            </a:r>
           </a:p>
         </p:txBody>
       </p:sp>
@@ -6058,323 +5519,6 @@
     <p:extLst>
       <p:ext uri="{BB962C8B-B14F-4D97-AF65-F5344CB8AC3E}">
         <p14:creationId xmlns:p14="http://schemas.microsoft.com/office/powerpoint/2010/main" val="4053734592"/>
-      </p:ext>
-    </p:extLst>
-  </p:cSld>
-  <p:clrMapOvr>
-    <a:masterClrMapping/>
-  </p:clrMapOvr>
-</p:sld>
-</file>
-
-<file path=ppt/slides/slide8.xml><?xml version="1.0" encoding="utf-8"?>
-<p:sld xmlns:a="http://schemas.openxmlformats.org/drawingml/2006/main" xmlns:r="http://schemas.openxmlformats.org/officeDocument/2006/relationships" xmlns:p="http://schemas.openxmlformats.org/presentationml/2006/main">
-  <p:cSld>
-    <p:spTree>
-      <p:nvGrpSpPr>
-        <p:cNvPr id="1" name=""/>
-        <p:cNvGrpSpPr/>
-        <p:nvPr/>
-      </p:nvGrpSpPr>
-      <p:grpSpPr>
-        <a:xfrm>
-          <a:off x="0" y="0"/>
-          <a:ext cx="0" cy="0"/>
-          <a:chOff x="0" y="0"/>
-          <a:chExt cx="0" cy="0"/>
-        </a:xfrm>
-      </p:grpSpPr>
-      <p:sp>
-        <p:nvSpPr>
-          <p:cNvPr id="7" name="Retângulo 6"/>
-          <p:cNvSpPr/>
-          <p:nvPr/>
-        </p:nvSpPr>
-        <p:spPr>
-          <a:xfrm>
-            <a:off x="0" y="0"/>
-            <a:ext cx="12192000" cy="4606050"/>
-          </a:xfrm>
-          <a:prstGeom prst="rect">
-            <a:avLst/>
-          </a:prstGeom>
-          <a:solidFill>
-            <a:srgbClr val="347C36"/>
-          </a:solidFill>
-          <a:ln>
-            <a:noFill/>
-          </a:ln>
-        </p:spPr>
-        <p:style>
-          <a:lnRef idx="2">
-            <a:schemeClr val="accent2">
-              <a:shade val="50000"/>
-            </a:schemeClr>
-          </a:lnRef>
-          <a:fillRef idx="1">
-            <a:schemeClr val="accent2"/>
-          </a:fillRef>
-          <a:effectRef idx="0">
-            <a:schemeClr val="accent2"/>
-          </a:effectRef>
-          <a:fontRef idx="minor">
-            <a:schemeClr val="lt1"/>
-          </a:fontRef>
-        </p:style>
-        <p:txBody>
-          <a:bodyPr rtlCol="0" anchor="ctr"/>
-          <a:lstStyle/>
-          <a:p>
-            <a:pPr algn="ctr"/>
-            <a:endParaRPr lang="pt-BR"/>
-          </a:p>
-        </p:txBody>
-      </p:sp>
-      <p:sp>
-        <p:nvSpPr>
-          <p:cNvPr id="2" name="Título 1"/>
-          <p:cNvSpPr>
-            <a:spLocks noGrp="1"/>
-          </p:cNvSpPr>
-          <p:nvPr>
-            <p:ph type="title"/>
-          </p:nvPr>
-        </p:nvSpPr>
-        <p:spPr>
-          <a:xfrm>
-            <a:off x="1797666" y="1369218"/>
-            <a:ext cx="8596668" cy="2371288"/>
-          </a:xfrm>
-        </p:spPr>
-        <p:txBody>
-          <a:bodyPr>
-            <a:normAutofit fontScale="90000"/>
-          </a:bodyPr>
-          <a:lstStyle/>
-          <a:p>
-            <a:pPr algn="ctr"/>
-            <a:br>
-              <a:rPr lang="pt-BR" altLang="pt-BR" sz="8000" dirty="0">
-                <a:solidFill>
-                  <a:srgbClr val="FF0000"/>
-                </a:solidFill>
-                <a:latin typeface="Trebuchet MS" panose="020B0603020202020204" pitchFamily="34" charset="0"/>
-              </a:rPr>
-            </a:br>
-            <a:r>
-              <a:rPr lang="pt-BR" altLang="pt-BR" sz="8000" b="1" dirty="0">
-                <a:solidFill>
-                  <a:srgbClr val="F15E41"/>
-                </a:solidFill>
-                <a:latin typeface="Trebuchet MS" panose="020B0603020202020204" pitchFamily="34" charset="0"/>
-              </a:rPr>
-              <a:t>ARRASEM!!!!!</a:t>
-            </a:r>
-            <a:br>
-              <a:rPr lang="pt-BR" altLang="pt-BR" sz="8000" b="1" dirty="0">
-                <a:solidFill>
-                  <a:srgbClr val="F15E41"/>
-                </a:solidFill>
-                <a:latin typeface="Trebuchet MS" panose="020B0603020202020204" pitchFamily="34" charset="0"/>
-              </a:rPr>
-            </a:br>
-            <a:r>
-              <a:rPr lang="pt-BR" altLang="pt-BR" sz="8000" b="1" dirty="0">
-                <a:solidFill>
-                  <a:srgbClr val="F15E41"/>
-                </a:solidFill>
-                <a:latin typeface="Trebuchet MS" panose="020B0603020202020204" pitchFamily="34" charset="0"/>
-              </a:rPr>
-              <a:t>VOCÊS SÃO DEMAIS!</a:t>
-            </a:r>
-            <a:endParaRPr lang="pt-BR" sz="8000" dirty="0">
-              <a:solidFill>
-                <a:srgbClr val="F15E41"/>
-              </a:solidFill>
-              <a:latin typeface="Trebuchet MS" panose="020B0603020202020204" pitchFamily="34" charset="0"/>
-            </a:endParaRPr>
-          </a:p>
-        </p:txBody>
-      </p:sp>
-      <p:sp>
-        <p:nvSpPr>
-          <p:cNvPr id="5" name="Retângulo 4"/>
-          <p:cNvSpPr/>
-          <p:nvPr/>
-        </p:nvSpPr>
-        <p:spPr>
-          <a:xfrm>
-            <a:off x="3048000" y="5246250"/>
-            <a:ext cx="6096000" cy="1569660"/>
-          </a:xfrm>
-          <a:prstGeom prst="rect">
-            <a:avLst/>
-          </a:prstGeom>
-        </p:spPr>
-        <p:txBody>
-          <a:bodyPr>
-            <a:spAutoFit/>
-          </a:bodyPr>
-          <a:lstStyle/>
-          <a:p>
-            <a:pPr algn="ctr"/>
-            <a:r>
-              <a:rPr lang="pt-BR" altLang="pt-BR" b="1" dirty="0">
-                <a:solidFill>
-                  <a:srgbClr val="347C36"/>
-                </a:solidFill>
-                <a:latin typeface="Trebuchet MS" panose="020B0603020202020204" pitchFamily="34" charset="0"/>
-              </a:rPr>
-              <a:t>E se precisarem de mim...estou aqui.</a:t>
-            </a:r>
-          </a:p>
-          <a:p>
-            <a:pPr algn="ctr"/>
-            <a:endParaRPr lang="pt-BR" altLang="pt-BR" b="1" dirty="0">
-              <a:solidFill>
-                <a:srgbClr val="347C36"/>
-              </a:solidFill>
-              <a:latin typeface="Trebuchet MS" panose="020B0603020202020204" pitchFamily="34" charset="0"/>
-            </a:endParaRPr>
-          </a:p>
-          <a:p>
-            <a:pPr algn="ctr"/>
-            <a:r>
-              <a:rPr lang="pt-BR" altLang="pt-BR" dirty="0">
-                <a:solidFill>
-                  <a:srgbClr val="92D050"/>
-                </a:solidFill>
-                <a:latin typeface="Trebuchet MS" panose="020B0603020202020204" pitchFamily="34" charset="0"/>
-              </a:rPr>
-              <a:t>fpratescamargo@gmail.com</a:t>
-            </a:r>
-            <a:br>
-              <a:rPr lang="pt-BR" altLang="pt-BR" sz="2400" dirty="0">
-                <a:solidFill>
-                  <a:srgbClr val="92D050"/>
-                </a:solidFill>
-                <a:latin typeface="Trebuchet MS" panose="020B0603020202020204" pitchFamily="34" charset="0"/>
-              </a:rPr>
-            </a:br>
-            <a:r>
-              <a:rPr lang="pt-BR" altLang="pt-BR" sz="2400" dirty="0">
-                <a:solidFill>
-                  <a:srgbClr val="92D050"/>
-                </a:solidFill>
-                <a:latin typeface="Trebuchet MS" panose="020B0603020202020204" pitchFamily="34" charset="0"/>
-              </a:rPr>
-              <a:t> </a:t>
-            </a:r>
-            <a:br>
-              <a:rPr lang="pt-BR" altLang="pt-BR" sz="6600" dirty="0">
-                <a:solidFill>
-                  <a:srgbClr val="92D050"/>
-                </a:solidFill>
-                <a:latin typeface="Trebuchet MS" panose="020B0603020202020204" pitchFamily="34" charset="0"/>
-              </a:rPr>
-            </a:br>
-            <a:endParaRPr lang="pt-BR" dirty="0"/>
-          </a:p>
-        </p:txBody>
-      </p:sp>
-      <p:pic>
-        <p:nvPicPr>
-          <p:cNvPr id="1026" name="Picture 2" descr="Resultado de imagem para emoji">
-            <a:extLst>
-              <a:ext uri="{FF2B5EF4-FFF2-40B4-BE49-F238E27FC236}">
-                <a16:creationId xmlns:a16="http://schemas.microsoft.com/office/drawing/2014/main" id="{C019C773-67CB-4872-8ED2-00B04FE77363}"/>
-              </a:ext>
-            </a:extLst>
-          </p:cNvPr>
-          <p:cNvPicPr>
-            <a:picLocks noChangeAspect="1" noChangeArrowheads="1"/>
-          </p:cNvPicPr>
-          <p:nvPr/>
-        </p:nvPicPr>
-        <p:blipFill>
-          <a:blip r:embed="rId3">
-            <a:extLst>
-              <a:ext uri="{28A0092B-C50C-407E-A947-70E740481C1C}">
-                <a14:useLocalDpi xmlns:a14="http://schemas.microsoft.com/office/drawing/2010/main" val="0"/>
-              </a:ext>
-            </a:extLst>
-          </a:blip>
-          <a:srcRect/>
-          <a:stretch>
-            <a:fillRect/>
-          </a:stretch>
-        </p:blipFill>
-        <p:spPr bwMode="auto">
-          <a:xfrm>
-            <a:off x="2090738" y="4606050"/>
-            <a:ext cx="1718934" cy="2146529"/>
-          </a:xfrm>
-          <a:prstGeom prst="rect">
-            <a:avLst/>
-          </a:prstGeom>
-          <a:noFill/>
-          <a:extLst>
-            <a:ext uri="{909E8E84-426E-40DD-AFC4-6F175D3DCCD1}">
-              <a14:hiddenFill xmlns:a14="http://schemas.microsoft.com/office/drawing/2010/main">
-                <a:solidFill>
-                  <a:srgbClr val="FFFFFF"/>
-                </a:solidFill>
-              </a14:hiddenFill>
-            </a:ext>
-          </a:extLst>
-        </p:spPr>
-      </p:pic>
-      <p:pic>
-        <p:nvPicPr>
-          <p:cNvPr id="1028" name="Picture 4" descr="Resultado de imagem para emoji">
-            <a:extLst>
-              <a:ext uri="{FF2B5EF4-FFF2-40B4-BE49-F238E27FC236}">
-                <a16:creationId xmlns:a16="http://schemas.microsoft.com/office/drawing/2014/main" id="{03E93C57-A991-411F-AF94-90D4C3487F8B}"/>
-              </a:ext>
-            </a:extLst>
-          </p:cNvPr>
-          <p:cNvPicPr>
-            <a:picLocks noChangeAspect="1" noChangeArrowheads="1"/>
-          </p:cNvPicPr>
-          <p:nvPr/>
-        </p:nvPicPr>
-        <p:blipFill>
-          <a:blip r:embed="rId4">
-            <a:extLst>
-              <a:ext uri="{28A0092B-C50C-407E-A947-70E740481C1C}">
-                <a14:useLocalDpi xmlns:a14="http://schemas.microsoft.com/office/drawing/2010/main" val="0"/>
-              </a:ext>
-            </a:extLst>
-          </a:blip>
-          <a:srcRect/>
-          <a:stretch>
-            <a:fillRect/>
-          </a:stretch>
-        </p:blipFill>
-        <p:spPr bwMode="auto">
-          <a:xfrm>
-            <a:off x="8527774" y="2755533"/>
-            <a:ext cx="3463050" cy="3463050"/>
-          </a:xfrm>
-          <a:prstGeom prst="rect">
-            <a:avLst/>
-          </a:prstGeom>
-          <a:noFill/>
-          <a:extLst>
-            <a:ext uri="{909E8E84-426E-40DD-AFC4-6F175D3DCCD1}">
-              <a14:hiddenFill xmlns:a14="http://schemas.microsoft.com/office/drawing/2010/main">
-                <a:solidFill>
-                  <a:srgbClr val="FFFFFF"/>
-                </a:solidFill>
-              </a14:hiddenFill>
-            </a:ext>
-          </a:extLst>
-        </p:spPr>
-      </p:pic>
-    </p:spTree>
-    <p:extLst>
-      <p:ext uri="{BB962C8B-B14F-4D97-AF65-F5344CB8AC3E}">
-        <p14:creationId xmlns:p14="http://schemas.microsoft.com/office/powerpoint/2010/main" val="1546396034"/>
       </p:ext>
     </p:extLst>
   </p:cSld>
